--- a/Windows 10/Optimización y depuración de Apps W10.pptx
+++ b/Windows 10/Optimización y depuración de Apps W10.pptx
@@ -5,10 +5,10 @@
     <p:sldMasterId id="2147483717" r:id="rId4"/>
   </p:sldMasterIdLst>
   <p:notesMasterIdLst>
-    <p:notesMasterId r:id="rId50"/>
+    <p:notesMasterId r:id="rId51"/>
   </p:notesMasterIdLst>
   <p:handoutMasterIdLst>
-    <p:handoutMasterId r:id="rId51"/>
+    <p:handoutMasterId r:id="rId52"/>
   </p:handoutMasterIdLst>
   <p:sldIdLst>
     <p:sldId id="256" r:id="rId5"/>
@@ -47,15 +47,16 @@
     <p:sldId id="404" r:id="rId38"/>
     <p:sldId id="405" r:id="rId39"/>
     <p:sldId id="409" r:id="rId40"/>
-    <p:sldId id="408" r:id="rId41"/>
-    <p:sldId id="412" r:id="rId42"/>
-    <p:sldId id="410" r:id="rId43"/>
-    <p:sldId id="411" r:id="rId44"/>
-    <p:sldId id="413" r:id="rId45"/>
-    <p:sldId id="406" r:id="rId46"/>
-    <p:sldId id="407" r:id="rId47"/>
-    <p:sldId id="359" r:id="rId48"/>
-    <p:sldId id="384" r:id="rId49"/>
+    <p:sldId id="429" r:id="rId41"/>
+    <p:sldId id="408" r:id="rId42"/>
+    <p:sldId id="412" r:id="rId43"/>
+    <p:sldId id="410" r:id="rId44"/>
+    <p:sldId id="411" r:id="rId45"/>
+    <p:sldId id="413" r:id="rId46"/>
+    <p:sldId id="406" r:id="rId47"/>
+    <p:sldId id="407" r:id="rId48"/>
+    <p:sldId id="359" r:id="rId49"/>
+    <p:sldId id="384" r:id="rId50"/>
   </p:sldIdLst>
   <p:sldSz cx="12192000" cy="6858000"/>
   <p:notesSz cx="6858000" cy="9144000"/>
@@ -397,11 +398,11 @@
           <c:showBubbleSize val="0"/>
         </c:dLbls>
         <c:gapWidth val="150"/>
-        <c:axId val="-1595309952"/>
-        <c:axId val="-1595307232"/>
+        <c:axId val="198010352"/>
+        <c:axId val="198009808"/>
       </c:barChart>
       <c:catAx>
-        <c:axId val="-1595309952"/>
+        <c:axId val="198010352"/>
         <c:scaling>
           <c:orientation val="minMax"/>
         </c:scaling>
@@ -444,7 +445,7 @@
             <a:endParaRPr lang="es-ES"/>
           </a:p>
         </c:txPr>
-        <c:crossAx val="-1595307232"/>
+        <c:crossAx val="198009808"/>
         <c:crosses val="autoZero"/>
         <c:auto val="1"/>
         <c:lblAlgn val="ctr"/>
@@ -452,7 +453,7 @@
         <c:noMultiLvlLbl val="0"/>
       </c:catAx>
       <c:valAx>
-        <c:axId val="-1595307232"/>
+        <c:axId val="198009808"/>
         <c:scaling>
           <c:orientation val="minMax"/>
         </c:scaling>
@@ -503,7 +504,7 @@
             <a:endParaRPr lang="es-ES"/>
           </a:p>
         </c:txPr>
-        <c:crossAx val="-1595309952"/>
+        <c:crossAx val="198010352"/>
         <c:crosses val="autoZero"/>
         <c:crossBetween val="between"/>
       </c:valAx>
@@ -832,11 +833,11 @@
         </c:dLbls>
         <c:gapWidth val="100"/>
         <c:overlap val="-24"/>
-        <c:axId val="-1595306144"/>
-        <c:axId val="-1595312128"/>
+        <c:axId val="198010896"/>
+        <c:axId val="198004368"/>
       </c:barChart>
       <c:catAx>
-        <c:axId val="-1595306144"/>
+        <c:axId val="198010896"/>
         <c:scaling>
           <c:orientation val="minMax"/>
         </c:scaling>
@@ -876,7 +877,7 @@
             <a:endParaRPr lang="es-ES"/>
           </a:p>
         </c:txPr>
-        <c:crossAx val="-1595312128"/>
+        <c:crossAx val="198004368"/>
         <c:crosses val="autoZero"/>
         <c:auto val="1"/>
         <c:lblAlgn val="ctr"/>
@@ -884,7 +885,7 @@
         <c:noMultiLvlLbl val="0"/>
       </c:catAx>
       <c:valAx>
-        <c:axId val="-1595312128"/>
+        <c:axId val="198004368"/>
         <c:scaling>
           <c:orientation val="minMax"/>
         </c:scaling>
@@ -987,7 +988,7 @@
             <a:endParaRPr lang="es-ES"/>
           </a:p>
         </c:txPr>
-        <c:crossAx val="-1595306144"/>
+        <c:crossAx val="198010896"/>
         <c:crosses val="autoZero"/>
         <c:crossBetween val="between"/>
       </c:valAx>
@@ -1345,11 +1346,11 @@
         </c:dLbls>
         <c:gapWidth val="100"/>
         <c:overlap val="-24"/>
-        <c:axId val="-1595308864"/>
-        <c:axId val="-1595308320"/>
+        <c:axId val="198005456"/>
+        <c:axId val="198011984"/>
       </c:barChart>
       <c:catAx>
-        <c:axId val="-1595308864"/>
+        <c:axId val="198005456"/>
         <c:scaling>
           <c:orientation val="minMax"/>
         </c:scaling>
@@ -1389,7 +1390,7 @@
             <a:endParaRPr lang="es-ES"/>
           </a:p>
         </c:txPr>
-        <c:crossAx val="-1595308320"/>
+        <c:crossAx val="198011984"/>
         <c:crosses val="autoZero"/>
         <c:auto val="1"/>
         <c:lblAlgn val="ctr"/>
@@ -1397,7 +1398,7 @@
         <c:noMultiLvlLbl val="0"/>
       </c:catAx>
       <c:valAx>
-        <c:axId val="-1595308320"/>
+        <c:axId val="198011984"/>
         <c:scaling>
           <c:orientation val="minMax"/>
         </c:scaling>
@@ -1526,7 +1527,7 @@
             <a:endParaRPr lang="es-ES"/>
           </a:p>
         </c:txPr>
-        <c:crossAx val="-1595308864"/>
+        <c:crossAx val="198005456"/>
         <c:crosses val="autoZero"/>
         <c:crossBetween val="between"/>
       </c:valAx>
@@ -3237,7 +3238,7 @@
           <a:p>
             <a:fld id="{679ED42D-8F4F-409C-B8AE-A36EBBB24683}" type="datetimeFigureOut">
               <a:rPr lang="es-ES" smtClean="0"/>
-              <a:t>29/08/2015</a:t>
+              <a:t>07/09/2015</a:t>
             </a:fld>
             <a:endParaRPr lang="es-ES"/>
           </a:p>
@@ -3402,7 +3403,7 @@
           <a:p>
             <a:fld id="{B390C43E-5EEF-443B-AEB9-2D45B8F4AF4F}" type="datetimeFigureOut">
               <a:rPr lang="en-US" smtClean="0"/>
-              <a:t>8/29/2015</a:t>
+              <a:t>9/7/2015</a:t>
             </a:fld>
             <a:endParaRPr lang="en-US"/>
           </a:p>
@@ -3830,7 +3831,7 @@
           <a:p>
             <a:fld id="{6DCB8B13-F54A-4625-AF12-F2357174F504}" type="datetime1">
               <a:rPr lang="en-US" smtClean="0"/>
-              <a:t>8/29/2015</a:t>
+              <a:t>9/7/2015</a:t>
             </a:fld>
             <a:endParaRPr lang="en-US" dirty="0"/>
           </a:p>
@@ -4028,7 +4029,7 @@
                 </a:solidFill>
               </a:rPr>
               <a:pPr/>
-              <a:t>8/29/2015 1:51 PM</a:t>
+              <a:t>9/7/2015 9:20 PM</a:t>
             </a:fld>
             <a:endParaRPr lang="en-US" dirty="0">
               <a:solidFill>
@@ -4060,7 +4061,7 @@
                 </a:solidFill>
               </a:rPr>
               <a:pPr/>
-              <a:t>40</a:t>
+              <a:t>41</a:t>
             </a:fld>
             <a:endParaRPr lang="en-US" dirty="0">
               <a:solidFill>
@@ -4229,7 +4230,7 @@
           <a:p>
             <a:fld id="{38EEC551-8CDA-4EB6-89BB-2A86C9F091C8}" type="datetime8">
               <a:rPr lang="en-US" smtClean="0"/>
-              <a:t>8/29/2015 1:51 PM</a:t>
+              <a:t>9/7/2015 9:20 PM</a:t>
             </a:fld>
             <a:endParaRPr lang="en-US" dirty="0"/>
           </a:p>
@@ -4253,7 +4254,7 @@
             <a:fld id="{B4008EB6-D09E-4580-8CD6-DDB14511944F}" type="slidenum">
               <a:rPr lang="en-US" smtClean="0"/>
               <a:pPr/>
-              <a:t>43</a:t>
+              <a:t>44</a:t>
             </a:fld>
             <a:endParaRPr lang="en-US" dirty="0"/>
           </a:p>
@@ -4356,7 +4357,7 @@
           <a:p>
             <a:fld id="{B59DFEC3-DDF1-47FC-A429-F37F4C396648}" type="slidenum">
               <a:rPr lang="en-US" smtClean="0"/>
-              <a:t>44</a:t>
+              <a:t>45</a:t>
             </a:fld>
             <a:endParaRPr lang="en-US"/>
           </a:p>
@@ -4521,7 +4522,7 @@
           <a:p>
             <a:fld id="{38EEC551-8CDA-4EB6-89BB-2A86C9F091C8}" type="datetime8">
               <a:rPr lang="en-US" smtClean="0"/>
-              <a:t>8/29/2015 1:51 PM</a:t>
+              <a:t>9/7/2015 9:20 PM</a:t>
             </a:fld>
             <a:endParaRPr lang="en-US" dirty="0"/>
           </a:p>
@@ -4719,7 +4720,7 @@
                 </a:solidFill>
               </a:rPr>
               <a:pPr/>
-              <a:t>8/29/2015 1:51 PM</a:t>
+              <a:t>9/7/2015 9:20 PM</a:t>
             </a:fld>
             <a:endParaRPr lang="en-US" dirty="0">
               <a:solidFill>
@@ -4929,7 +4930,7 @@
                 </a:solidFill>
               </a:rPr>
               <a:pPr/>
-              <a:t>8/29/2015 1:51 PM</a:t>
+              <a:t>9/7/2015 9:20 PM</a:t>
             </a:fld>
             <a:endParaRPr lang="en-US" dirty="0">
               <a:solidFill>
@@ -5130,7 +5131,7 @@
           <a:p>
             <a:fld id="{38EEC551-8CDA-4EB6-89BB-2A86C9F091C8}" type="datetime8">
               <a:rPr lang="en-US" smtClean="0"/>
-              <a:t>8/29/2015 1:51 PM</a:t>
+              <a:t>9/7/2015 9:20 PM</a:t>
             </a:fld>
             <a:endParaRPr lang="en-US" dirty="0"/>
           </a:p>
@@ -5328,7 +5329,7 @@
                 </a:solidFill>
               </a:rPr>
               <a:pPr/>
-              <a:t>8/29/2015 1:51 PM</a:t>
+              <a:t>9/7/2015 9:20 PM</a:t>
             </a:fld>
             <a:endParaRPr lang="en-US" dirty="0">
               <a:solidFill>
@@ -5538,7 +5539,7 @@
                 </a:solidFill>
               </a:rPr>
               <a:pPr/>
-              <a:t>8/29/2015 1:51 PM</a:t>
+              <a:t>9/7/2015 9:20 PM</a:t>
             </a:fld>
             <a:endParaRPr lang="en-US" dirty="0">
               <a:solidFill>
@@ -5570,7 +5571,7 @@
                 </a:solidFill>
               </a:rPr>
               <a:pPr/>
-              <a:t>37</a:t>
+              <a:t>38</a:t>
             </a:fld>
             <a:endParaRPr lang="en-US" dirty="0">
               <a:solidFill>
@@ -5748,7 +5749,7 @@
                 </a:solidFill>
               </a:rPr>
               <a:pPr/>
-              <a:t>8/29/2015 1:51 PM</a:t>
+              <a:t>9/7/2015 9:20 PM</a:t>
             </a:fld>
             <a:endParaRPr lang="en-US" dirty="0">
               <a:solidFill>
@@ -5780,7 +5781,7 @@
                 </a:solidFill>
               </a:rPr>
               <a:pPr/>
-              <a:t>38</a:t>
+              <a:t>39</a:t>
             </a:fld>
             <a:endParaRPr lang="en-US" dirty="0">
               <a:solidFill>
@@ -5958,7 +5959,7 @@
                 </a:solidFill>
               </a:rPr>
               <a:pPr/>
-              <a:t>8/29/2015 1:51 PM</a:t>
+              <a:t>9/7/2015 9:20 PM</a:t>
             </a:fld>
             <a:endParaRPr lang="en-US" dirty="0">
               <a:solidFill>
@@ -5990,7 +5991,7 @@
                 </a:solidFill>
               </a:rPr>
               <a:pPr/>
-              <a:t>39</a:t>
+              <a:t>40</a:t>
             </a:fld>
             <a:endParaRPr lang="en-US" dirty="0">
               <a:solidFill>
@@ -24930,7 +24931,7 @@
                 </a:solidFill>
               </a:rPr>
               <a:pPr/>
-              <a:t>8/29/2015</a:t>
+              <a:t>9/7/2015</a:t>
             </a:fld>
             <a:endParaRPr lang="en-US" dirty="0">
               <a:solidFill>
@@ -25304,7 +25305,7 @@
           <a:p>
             <a:fld id="{6DD3B76A-C5DE-4B9A-BEAE-BBF0DC17AAA8}" type="datetime1">
               <a:rPr lang="en-US" smtClean="0"/>
-              <a:t>8/29/2015</a:t>
+              <a:t>9/7/2015</a:t>
             </a:fld>
             <a:endParaRPr lang="en-US" dirty="0"/>
           </a:p>
@@ -38088,13 +38089,13 @@
   <p:clrMapOvr>
     <a:masterClrMapping/>
   </p:clrMapOvr>
-  <mc:AlternateContent xmlns:mc="http://schemas.openxmlformats.org/markup-compatibility/2006">
-    <mc:Choice xmlns:p14="http://schemas.microsoft.com/office/powerpoint/2010/main" Requires="p14">
+  <mc:AlternateContent xmlns:mc="http://schemas.openxmlformats.org/markup-compatibility/2006" xmlns:p14="http://schemas.microsoft.com/office/powerpoint/2010/main">
+    <mc:Choice Requires="p14">
       <p:transition spd="med" p14:dur="700">
         <p:fade/>
       </p:transition>
     </mc:Choice>
-    <mc:Fallback>
+    <mc:Fallback xmlns="">
       <p:transition spd="med">
         <p:fade/>
       </p:transition>
@@ -40559,7 +40560,6 @@
               <a:rPr lang="en-US" dirty="0" smtClean="0"/>
               <a:t> para el framework</a:t>
             </a:r>
-            <a:endParaRPr lang="en-US" dirty="0" smtClean="0"/>
           </a:p>
           <a:p>
             <a:pPr marL="547792" lvl="2" indent="0">
@@ -40575,11 +40575,7 @@
             </a:r>
             <a:r>
               <a:rPr lang="en-US" dirty="0" smtClean="0"/>
-              <a:t> </a:t>
-            </a:r>
-            <a:r>
-              <a:rPr lang="en-US" dirty="0" smtClean="0"/>
-              <a:t>~1 s</a:t>
+              <a:t> ~1 s</a:t>
             </a:r>
           </a:p>
           <a:p>
@@ -40685,11 +40681,7 @@
             </a:r>
             <a:r>
               <a:rPr lang="en-US" sz="2745" dirty="0" smtClean="0"/>
-              <a:t> </a:t>
-            </a:r>
-            <a:r>
-              <a:rPr lang="en-US" sz="2745" dirty="0" smtClean="0"/>
-              <a:t>Listas</a:t>
+              <a:t> Listas</a:t>
             </a:r>
             <a:endParaRPr lang="en-US" sz="2745" dirty="0"/>
           </a:p>
@@ -40823,15 +40815,7 @@
                   <a:schemeClr val="tx1"/>
                 </a:solidFill>
               </a:rPr>
-              <a:t> de </a:t>
-            </a:r>
-            <a:r>
-              <a:rPr lang="en-US" dirty="0" smtClean="0">
-                <a:solidFill>
-                  <a:schemeClr val="tx1"/>
-                </a:solidFill>
-              </a:rPr>
-              <a:t>Windows </a:t>
+              <a:t> de Windows </a:t>
             </a:r>
             <a:r>
               <a:rPr lang="en-US" dirty="0">
@@ -40981,15 +40965,7 @@
                   <a:schemeClr val="tx1"/>
                 </a:solidFill>
               </a:rPr>
-              <a:t>” </a:t>
-            </a:r>
-            <a:r>
-              <a:rPr lang="en-US" dirty="0" smtClean="0">
-                <a:solidFill>
-                  <a:schemeClr val="tx1"/>
-                </a:solidFill>
-              </a:rPr>
-              <a:t>de </a:t>
+              <a:t>” de </a:t>
             </a:r>
             <a:r>
               <a:rPr lang="en-US" dirty="0" err="1" smtClean="0">
@@ -41955,11 +41931,6 @@
               </a:rPr>
               <a:t> </a:t>
             </a:r>
-            <a:endParaRPr lang="en-US" u="sng" dirty="0" smtClean="0">
-              <a:solidFill>
-                <a:schemeClr val="tx1"/>
-              </a:solidFill>
-            </a:endParaRPr>
           </a:p>
           <a:p>
             <a:pPr marL="571500" indent="-571500">
@@ -43209,11 +43180,7 @@
             </a:r>
             <a:r>
               <a:rPr lang="en-US" dirty="0" smtClean="0"/>
-              <a:t> Windows </a:t>
-            </a:r>
-            <a:r>
-              <a:rPr lang="en-US" dirty="0" smtClean="0"/>
-              <a:t>10 </a:t>
+              <a:t> Windows 10 </a:t>
             </a:r>
             <a:r>
               <a:rPr lang="en-US" dirty="0" err="1" smtClean="0"/>
@@ -43221,11 +43188,7 @@
             </a:r>
             <a:r>
               <a:rPr lang="en-US" dirty="0" smtClean="0"/>
-              <a:t> un 50</a:t>
-            </a:r>
-            <a:r>
-              <a:rPr lang="en-US" dirty="0" smtClean="0"/>
-              <a:t>% </a:t>
+              <a:t> un 50% </a:t>
             </a:r>
             <a:r>
               <a:rPr lang="en-US" dirty="0" err="1" smtClean="0"/>
@@ -43332,7 +43295,6 @@
               <a:rPr lang="en-US" dirty="0" smtClean="0"/>
               <a:t>:</a:t>
             </a:r>
-            <a:endParaRPr lang="en-US" dirty="0" smtClean="0"/>
           </a:p>
           <a:p>
             <a:pPr lvl="1"/>
@@ -44140,7 +44102,6 @@
               <a:rPr lang="en-US" dirty="0" smtClean="0"/>
               <a:t> entre breakpoints</a:t>
             </a:r>
-            <a:endParaRPr lang="en-US" dirty="0" smtClean="0"/>
           </a:p>
           <a:p>
             <a:r>
@@ -44153,7 +44114,7 @@
             </a:r>
             <a:r>
               <a:rPr lang="en-US" dirty="0" err="1" smtClean="0"/>
-              <a:t>tiempso</a:t>
+              <a:t>tiempos</a:t>
             </a:r>
             <a:r>
               <a:rPr lang="en-US" dirty="0" smtClean="0"/>
@@ -44167,7 +44128,6 @@
               <a:rPr lang="en-US" dirty="0" smtClean="0"/>
               <a:t> con el debugger </a:t>
             </a:r>
-            <a:endParaRPr lang="en-US" dirty="0" smtClean="0"/>
           </a:p>
           <a:p>
             <a:pPr lvl="1"/>
@@ -44217,11 +44177,7 @@
             </a:r>
             <a:r>
               <a:rPr lang="en-US" dirty="0" smtClean="0"/>
-              <a:t> un breakpoint</a:t>
-            </a:r>
-            <a:r>
-              <a:rPr lang="en-US" dirty="0" smtClean="0"/>
-              <a:t>)</a:t>
+              <a:t> un breakpoint)</a:t>
             </a:r>
             <a:endParaRPr lang="en-US" dirty="0"/>
           </a:p>
@@ -44291,11 +44247,7 @@
             </a:r>
             <a:r>
               <a:rPr lang="en-US" dirty="0" smtClean="0"/>
-              <a:t>y Windows </a:t>
-            </a:r>
-            <a:r>
-              <a:rPr lang="en-US" dirty="0" smtClean="0"/>
-              <a:t>10</a:t>
+              <a:t>y Windows 10</a:t>
             </a:r>
             <a:endParaRPr lang="en-US" dirty="0"/>
           </a:p>
@@ -44326,7 +44278,11 @@
             </a:r>
             <a:r>
               <a:rPr lang="en-US" dirty="0" smtClean="0"/>
-              <a:t>. Tips and Tricks</a:t>
+              <a:t>. </a:t>
+            </a:r>
+            <a:r>
+              <a:rPr lang="en-US" dirty="0" err="1" smtClean="0"/>
+              <a:t>PerfTips</a:t>
             </a:r>
             <a:endParaRPr lang="en-US" dirty="0"/>
           </a:p>
@@ -44833,6 +44789,78 @@
       </p:grpSpPr>
       <p:sp>
         <p:nvSpPr>
+          <p:cNvPr id="7" name="Title 6"/>
+          <p:cNvSpPr>
+            <a:spLocks noGrp="1"/>
+          </p:cNvSpPr>
+          <p:nvPr>
+            <p:ph type="ctrTitle"/>
+          </p:nvPr>
+        </p:nvSpPr>
+        <p:spPr/>
+        <p:txBody>
+          <a:bodyPr/>
+          <a:lstStyle/>
+          <a:p>
+            <a:r>
+              <a:rPr lang="en-US" dirty="0" err="1" smtClean="0"/>
+              <a:t>PerfTips</a:t>
+            </a:r>
+            <a:endParaRPr lang="en-US" dirty="0"/>
+          </a:p>
+        </p:txBody>
+      </p:sp>
+    </p:spTree>
+    <p:extLst>
+      <p:ext uri="{BB962C8B-B14F-4D97-AF65-F5344CB8AC3E}">
+        <p14:creationId xmlns:p14="http://schemas.microsoft.com/office/powerpoint/2010/main" val="1881474256"/>
+      </p:ext>
+    </p:extLst>
+  </p:cSld>
+  <p:clrMapOvr>
+    <a:masterClrMapping/>
+  </p:clrMapOvr>
+  <mc:AlternateContent xmlns:mc="http://schemas.openxmlformats.org/markup-compatibility/2006">
+    <mc:Choice xmlns:p14="http://schemas.microsoft.com/office/powerpoint/2010/main" Requires="p14">
+      <p:transition spd="med" p14:dur="700">
+        <p:fade/>
+      </p:transition>
+    </mc:Choice>
+    <mc:Fallback>
+      <p:transition spd="med">
+        <p:fade/>
+      </p:transition>
+    </mc:Fallback>
+  </mc:AlternateContent>
+  <p:timing>
+    <p:tnLst>
+      <p:par>
+        <p:cTn id="1" dur="indefinite" restart="never" nodeType="tmRoot"/>
+      </p:par>
+    </p:tnLst>
+  </p:timing>
+</p:sld>
+</file>
+
+<file path=ppt/slides/slide38.xml><?xml version="1.0" encoding="utf-8"?>
+<p:sld xmlns:a="http://schemas.openxmlformats.org/drawingml/2006/main" xmlns:r="http://schemas.openxmlformats.org/officeDocument/2006/relationships" xmlns:p="http://schemas.openxmlformats.org/presentationml/2006/main">
+  <p:cSld>
+    <p:spTree>
+      <p:nvGrpSpPr>
+        <p:cNvPr id="1" name=""/>
+        <p:cNvGrpSpPr/>
+        <p:nvPr/>
+      </p:nvGrpSpPr>
+      <p:grpSpPr>
+        <a:xfrm>
+          <a:off x="0" y="0"/>
+          <a:ext cx="0" cy="0"/>
+          <a:chOff x="0" y="0"/>
+          <a:chExt cx="0" cy="0"/>
+        </a:xfrm>
+      </p:grpSpPr>
+      <p:sp>
+        <p:nvSpPr>
           <p:cNvPr id="7" name="Text Placeholder 6"/>
           <p:cNvSpPr>
             <a:spLocks noGrp="1"/>
@@ -44891,7 +44919,6 @@
               <a:rPr lang="en-US" dirty="0" smtClean="0"/>
               <a:t> cores</a:t>
             </a:r>
-            <a:endParaRPr lang="en-US" dirty="0" smtClean="0"/>
           </a:p>
           <a:p>
             <a:r>
@@ -44940,11 +44967,7 @@
             </a:r>
             <a:r>
               <a:rPr lang="en-US" dirty="0" smtClean="0"/>
-              <a:t> el consume sea inferior al 100</a:t>
-            </a:r>
-            <a:r>
-              <a:rPr lang="en-US" dirty="0" smtClean="0"/>
-              <a:t>%</a:t>
+              <a:t> el consume sea inferior al 100%</a:t>
             </a:r>
           </a:p>
           <a:p>
@@ -45268,7 +45291,7 @@
 </p:sld>
 </file>
 
-<file path=ppt/slides/slide38.xml><?xml version="1.0" encoding="utf-8"?>
+<file path=ppt/slides/slide39.xml><?xml version="1.0" encoding="utf-8"?>
 <p:sld xmlns:a="http://schemas.openxmlformats.org/drawingml/2006/main" xmlns:r="http://schemas.openxmlformats.org/officeDocument/2006/relationships" xmlns:p="http://schemas.openxmlformats.org/presentationml/2006/main">
   <p:cSld>
     <p:spTree>
@@ -45337,7 +45360,6 @@
               <a:rPr lang="en-US" dirty="0" smtClean="0"/>
               <a:t> CPU </a:t>
             </a:r>
-            <a:endParaRPr lang="en-US" dirty="0" smtClean="0"/>
           </a:p>
           <a:p>
             <a:pPr lvl="1"/>
@@ -45355,11 +45377,7 @@
             </a:r>
             <a:r>
               <a:rPr lang="en-US" dirty="0" smtClean="0"/>
-              <a:t> de CPU del call </a:t>
-            </a:r>
-            <a:r>
-              <a:rPr lang="en-US" dirty="0" smtClean="0"/>
-              <a:t>stack </a:t>
+              <a:t> de CPU del call stack </a:t>
             </a:r>
             <a:r>
               <a:rPr lang="en-US" dirty="0" err="1" smtClean="0"/>
@@ -45422,15 +45440,7 @@
             </a:r>
             <a:r>
               <a:rPr lang="en-US" dirty="0" smtClean="0"/>
-              <a:t> </a:t>
-            </a:r>
-            <a:r>
-              <a:rPr lang="en-US" dirty="0" smtClean="0"/>
-              <a:t>stacks </a:t>
-            </a:r>
-            <a:r>
-              <a:rPr lang="en-US" dirty="0" smtClean="0"/>
-              <a:t>(.NET &amp; C++) </a:t>
+              <a:t> stacks (.NET &amp; C++) </a:t>
             </a:r>
           </a:p>
         </p:txBody>
@@ -45486,480 +45496,6 @@
     <p:extLst>
       <p:ext uri="{BB962C8B-B14F-4D97-AF65-F5344CB8AC3E}">
         <p14:creationId xmlns:p14="http://schemas.microsoft.com/office/powerpoint/2010/main" val="272847372"/>
-      </p:ext>
-    </p:extLst>
-  </p:cSld>
-  <p:clrMapOvr>
-    <a:masterClrMapping/>
-  </p:clrMapOvr>
-  <p:transition>
-    <p:fade/>
-  </p:transition>
-  <p:timing>
-    <p:tnLst>
-      <p:par>
-        <p:cTn id="1" dur="indefinite" restart="never" nodeType="tmRoot">
-          <p:childTnLst>
-            <p:seq concurrent="1" nextAc="seek">
-              <p:cTn id="2" dur="indefinite" nodeType="mainSeq">
-                <p:childTnLst>
-                  <p:par>
-                    <p:cTn id="3" fill="hold">
-                      <p:stCondLst>
-                        <p:cond delay="indefinite"/>
-                        <p:cond evt="onBegin" delay="0">
-                          <p:tn val="2"/>
-                        </p:cond>
-                      </p:stCondLst>
-                      <p:childTnLst>
-                        <p:par>
-                          <p:cTn id="4" fill="hold">
-                            <p:stCondLst>
-                              <p:cond delay="0"/>
-                            </p:stCondLst>
-                            <p:childTnLst>
-                              <p:par>
-                                <p:cTn id="5" presetID="1" presetClass="entr" presetSubtype="0" fill="hold" nodeType="afterEffect">
-                                  <p:stCondLst>
-                                    <p:cond delay="500"/>
-                                  </p:stCondLst>
-                                  <p:childTnLst>
-                                    <p:set>
-                                      <p:cBhvr>
-                                        <p:cTn id="6" dur="1" fill="hold">
-                                          <p:stCondLst>
-                                            <p:cond delay="0"/>
-                                          </p:stCondLst>
-                                        </p:cTn>
-                                        <p:tgtEl>
-                                          <p:spTgt spid="7">
-                                            <p:txEl>
-                                              <p:pRg st="0" end="0"/>
-                                            </p:txEl>
-                                          </p:spTgt>
-                                        </p:tgtEl>
-                                        <p:attrNameLst>
-                                          <p:attrName>style.visibility</p:attrName>
-                                        </p:attrNameLst>
-                                      </p:cBhvr>
-                                      <p:to>
-                                        <p:strVal val="visible"/>
-                                      </p:to>
-                                    </p:set>
-                                  </p:childTnLst>
-                                </p:cTn>
-                              </p:par>
-                            </p:childTnLst>
-                          </p:cTn>
-                        </p:par>
-                        <p:par>
-                          <p:cTn id="7" fill="hold">
-                            <p:stCondLst>
-                              <p:cond delay="500"/>
-                            </p:stCondLst>
-                            <p:childTnLst>
-                              <p:par>
-                                <p:cTn id="8" presetID="1" presetClass="entr" presetSubtype="0" fill="hold" nodeType="afterEffect">
-                                  <p:stCondLst>
-                                    <p:cond delay="500"/>
-                                  </p:stCondLst>
-                                  <p:childTnLst>
-                                    <p:set>
-                                      <p:cBhvr>
-                                        <p:cTn id="9" dur="1" fill="hold">
-                                          <p:stCondLst>
-                                            <p:cond delay="0"/>
-                                          </p:stCondLst>
-                                        </p:cTn>
-                                        <p:tgtEl>
-                                          <p:spTgt spid="7">
-                                            <p:txEl>
-                                              <p:pRg st="1" end="1"/>
-                                            </p:txEl>
-                                          </p:spTgt>
-                                        </p:tgtEl>
-                                        <p:attrNameLst>
-                                          <p:attrName>style.visibility</p:attrName>
-                                        </p:attrNameLst>
-                                      </p:cBhvr>
-                                      <p:to>
-                                        <p:strVal val="visible"/>
-                                      </p:to>
-                                    </p:set>
-                                  </p:childTnLst>
-                                </p:cTn>
-                              </p:par>
-                            </p:childTnLst>
-                          </p:cTn>
-                        </p:par>
-                        <p:par>
-                          <p:cTn id="10" fill="hold">
-                            <p:stCondLst>
-                              <p:cond delay="1000"/>
-                            </p:stCondLst>
-                            <p:childTnLst>
-                              <p:par>
-                                <p:cTn id="11" presetID="1" presetClass="entr" presetSubtype="0" fill="hold" nodeType="afterEffect">
-                                  <p:stCondLst>
-                                    <p:cond delay="500"/>
-                                  </p:stCondLst>
-                                  <p:childTnLst>
-                                    <p:set>
-                                      <p:cBhvr>
-                                        <p:cTn id="12" dur="1" fill="hold">
-                                          <p:stCondLst>
-                                            <p:cond delay="0"/>
-                                          </p:stCondLst>
-                                        </p:cTn>
-                                        <p:tgtEl>
-                                          <p:spTgt spid="7">
-                                            <p:txEl>
-                                              <p:pRg st="2" end="2"/>
-                                            </p:txEl>
-                                          </p:spTgt>
-                                        </p:tgtEl>
-                                        <p:attrNameLst>
-                                          <p:attrName>style.visibility</p:attrName>
-                                        </p:attrNameLst>
-                                      </p:cBhvr>
-                                      <p:to>
-                                        <p:strVal val="visible"/>
-                                      </p:to>
-                                    </p:set>
-                                  </p:childTnLst>
-                                </p:cTn>
-                              </p:par>
-                            </p:childTnLst>
-                          </p:cTn>
-                        </p:par>
-                        <p:par>
-                          <p:cTn id="13" fill="hold">
-                            <p:stCondLst>
-                              <p:cond delay="1500"/>
-                            </p:stCondLst>
-                            <p:childTnLst>
-                              <p:par>
-                                <p:cTn id="14" presetID="1" presetClass="entr" presetSubtype="0" fill="hold" nodeType="afterEffect">
-                                  <p:stCondLst>
-                                    <p:cond delay="500"/>
-                                  </p:stCondLst>
-                                  <p:childTnLst>
-                                    <p:set>
-                                      <p:cBhvr>
-                                        <p:cTn id="15" dur="1" fill="hold">
-                                          <p:stCondLst>
-                                            <p:cond delay="0"/>
-                                          </p:stCondLst>
-                                        </p:cTn>
-                                        <p:tgtEl>
-                                          <p:spTgt spid="7">
-                                            <p:txEl>
-                                              <p:pRg st="3" end="3"/>
-                                            </p:txEl>
-                                          </p:spTgt>
-                                        </p:tgtEl>
-                                        <p:attrNameLst>
-                                          <p:attrName>style.visibility</p:attrName>
-                                        </p:attrNameLst>
-                                      </p:cBhvr>
-                                      <p:to>
-                                        <p:strVal val="visible"/>
-                                      </p:to>
-                                    </p:set>
-                                  </p:childTnLst>
-                                </p:cTn>
-                              </p:par>
-                            </p:childTnLst>
-                          </p:cTn>
-                        </p:par>
-                        <p:par>
-                          <p:cTn id="16" fill="hold">
-                            <p:stCondLst>
-                              <p:cond delay="2000"/>
-                            </p:stCondLst>
-                            <p:childTnLst>
-                              <p:par>
-                                <p:cTn id="17" presetID="10" presetClass="entr" presetSubtype="0" fill="hold" nodeType="afterEffect">
-                                  <p:stCondLst>
-                                    <p:cond delay="500"/>
-                                  </p:stCondLst>
-                                  <p:childTnLst>
-                                    <p:set>
-                                      <p:cBhvr>
-                                        <p:cTn id="18" dur="1" fill="hold">
-                                          <p:stCondLst>
-                                            <p:cond delay="0"/>
-                                          </p:stCondLst>
-                                        </p:cTn>
-                                        <p:tgtEl>
-                                          <p:spTgt spid="5"/>
-                                        </p:tgtEl>
-                                        <p:attrNameLst>
-                                          <p:attrName>style.visibility</p:attrName>
-                                        </p:attrNameLst>
-                                      </p:cBhvr>
-                                      <p:to>
-                                        <p:strVal val="visible"/>
-                                      </p:to>
-                                    </p:set>
-                                    <p:animEffect transition="in" filter="fade">
-                                      <p:cBhvr>
-                                        <p:cTn id="19" dur="500"/>
-                                        <p:tgtEl>
-                                          <p:spTgt spid="5"/>
-                                        </p:tgtEl>
-                                      </p:cBhvr>
-                                    </p:animEffect>
-                                  </p:childTnLst>
-                                </p:cTn>
-                              </p:par>
-                            </p:childTnLst>
-                          </p:cTn>
-                        </p:par>
-                      </p:childTnLst>
-                    </p:cTn>
-                  </p:par>
-                </p:childTnLst>
-              </p:cTn>
-              <p:prevCondLst>
-                <p:cond evt="onPrev" delay="0">
-                  <p:tgtEl>
-                    <p:sldTgt/>
-                  </p:tgtEl>
-                </p:cond>
-              </p:prevCondLst>
-              <p:nextCondLst>
-                <p:cond evt="onNext" delay="0">
-                  <p:tgtEl>
-                    <p:sldTgt/>
-                  </p:tgtEl>
-                </p:cond>
-              </p:nextCondLst>
-            </p:seq>
-          </p:childTnLst>
-        </p:cTn>
-      </p:par>
-    </p:tnLst>
-  </p:timing>
-</p:sld>
-</file>
-
-<file path=ppt/slides/slide39.xml><?xml version="1.0" encoding="utf-8"?>
-<p:sld xmlns:a="http://schemas.openxmlformats.org/drawingml/2006/main" xmlns:r="http://schemas.openxmlformats.org/officeDocument/2006/relationships" xmlns:p="http://schemas.openxmlformats.org/presentationml/2006/main">
-  <p:cSld>
-    <p:spTree>
-      <p:nvGrpSpPr>
-        <p:cNvPr id="1" name=""/>
-        <p:cNvGrpSpPr/>
-        <p:nvPr/>
-      </p:nvGrpSpPr>
-      <p:grpSpPr>
-        <a:xfrm>
-          <a:off x="0" y="0"/>
-          <a:ext cx="0" cy="0"/>
-          <a:chOff x="0" y="0"/>
-          <a:chExt cx="0" cy="0"/>
-        </a:xfrm>
-      </p:grpSpPr>
-      <p:sp>
-        <p:nvSpPr>
-          <p:cNvPr id="7" name="Text Placeholder 6"/>
-          <p:cNvSpPr>
-            <a:spLocks noGrp="1"/>
-          </p:cNvSpPr>
-          <p:nvPr>
-            <p:ph type="body" sz="quarter" idx="10"/>
-          </p:nvPr>
-        </p:nvSpPr>
-        <p:spPr>
-          <a:xfrm>
-            <a:off x="418643" y="1270097"/>
-            <a:ext cx="11653523" cy="4856394"/>
-          </a:xfrm>
-        </p:spPr>
-        <p:txBody>
-          <a:bodyPr/>
-          <a:lstStyle/>
-          <a:p>
-            <a:r>
-              <a:rPr lang="en-US" dirty="0" err="1" smtClean="0"/>
-              <a:t>Compara</a:t>
-            </a:r>
-            <a:r>
-              <a:rPr lang="en-US" dirty="0" smtClean="0"/>
-              <a:t> el consume de </a:t>
-            </a:r>
-            <a:r>
-              <a:rPr lang="en-US" dirty="0" err="1" smtClean="0"/>
-              <a:t>memoria</a:t>
-            </a:r>
-            <a:r>
-              <a:rPr lang="en-US" dirty="0" smtClean="0"/>
-              <a:t> </a:t>
-            </a:r>
-            <a:r>
-              <a:rPr lang="en-US" dirty="0" err="1" smtClean="0"/>
-              <a:t>en</a:t>
-            </a:r>
-            <a:r>
-              <a:rPr lang="en-US" dirty="0" smtClean="0"/>
-              <a:t> el </a:t>
-            </a:r>
-            <a:r>
-              <a:rPr lang="en-US" dirty="0" err="1" smtClean="0"/>
-              <a:t>tiempo</a:t>
-            </a:r>
-            <a:endParaRPr lang="en-US" dirty="0" smtClean="0"/>
-          </a:p>
-          <a:p>
-            <a:pPr lvl="1"/>
-            <a:r>
-              <a:rPr lang="en-US" dirty="0" err="1" smtClean="0"/>
-              <a:t>Indica</a:t>
-            </a:r>
-            <a:r>
-              <a:rPr lang="en-US" dirty="0" smtClean="0"/>
-              <a:t> </a:t>
-            </a:r>
-            <a:r>
-              <a:rPr lang="en-US" dirty="0" err="1" smtClean="0"/>
-              <a:t>tamaños</a:t>
-            </a:r>
-            <a:r>
-              <a:rPr lang="en-US" dirty="0" smtClean="0"/>
-              <a:t> y </a:t>
-            </a:r>
-            <a:r>
-              <a:rPr lang="en-US" dirty="0" err="1" smtClean="0"/>
-              <a:t>contadores</a:t>
-            </a:r>
-            <a:endParaRPr lang="en-US" dirty="0" smtClean="0"/>
-          </a:p>
-          <a:p>
-            <a:pPr lvl="1"/>
-            <a:r>
-              <a:rPr lang="en-US" dirty="0" err="1" smtClean="0"/>
-              <a:t>Filtra</a:t>
-            </a:r>
-            <a:r>
-              <a:rPr lang="en-US" dirty="0" smtClean="0"/>
-              <a:t> </a:t>
-            </a:r>
-            <a:r>
-              <a:rPr lang="en-US" dirty="0" err="1" smtClean="0"/>
-              <a:t>objetos</a:t>
-            </a:r>
-            <a:r>
-              <a:rPr lang="en-US" dirty="0" smtClean="0"/>
-              <a:t> </a:t>
-            </a:r>
-            <a:r>
-              <a:rPr lang="en-US" dirty="0" err="1" smtClean="0"/>
-              <a:t>marcados</a:t>
-            </a:r>
-            <a:r>
-              <a:rPr lang="en-US" dirty="0" smtClean="0"/>
-              <a:t> </a:t>
-            </a:r>
-            <a:r>
-              <a:rPr lang="en-US" dirty="0" err="1" smtClean="0"/>
-              <a:t>por</a:t>
-            </a:r>
-            <a:r>
-              <a:rPr lang="en-US" dirty="0" smtClean="0"/>
-              <a:t> el garbage </a:t>
-            </a:r>
-            <a:r>
-              <a:rPr lang="en-US" dirty="0" smtClean="0"/>
-              <a:t>collection (.NET)</a:t>
-            </a:r>
-            <a:endParaRPr lang="en-US" dirty="0"/>
-          </a:p>
-          <a:p>
-            <a:r>
-              <a:rPr lang="en-US" dirty="0" err="1" smtClean="0"/>
-              <a:t>Tanto</a:t>
-            </a:r>
-            <a:r>
-              <a:rPr lang="en-US" dirty="0" smtClean="0"/>
-              <a:t> C</a:t>
-            </a:r>
-            <a:r>
-              <a:rPr lang="en-US" dirty="0" smtClean="0"/>
-              <a:t>++ </a:t>
-            </a:r>
-            <a:r>
-              <a:rPr lang="en-US" dirty="0" err="1" smtClean="0"/>
-              <a:t>como</a:t>
-            </a:r>
-            <a:r>
-              <a:rPr lang="en-US" dirty="0" smtClean="0"/>
-              <a:t> .NET</a:t>
-            </a:r>
-            <a:endParaRPr lang="en-US" dirty="0" smtClean="0"/>
-          </a:p>
-          <a:p>
-            <a:endParaRPr lang="en-US" dirty="0"/>
-          </a:p>
-          <a:p>
-            <a:endParaRPr lang="en-US" dirty="0" smtClean="0"/>
-          </a:p>
-          <a:p>
-            <a:endParaRPr lang="en-US" dirty="0" smtClean="0"/>
-          </a:p>
-        </p:txBody>
-      </p:sp>
-      <p:sp>
-        <p:nvSpPr>
-          <p:cNvPr id="6" name="Title 5"/>
-          <p:cNvSpPr>
-            <a:spLocks noGrp="1"/>
-          </p:cNvSpPr>
-          <p:nvPr>
-            <p:ph type="title"/>
-          </p:nvPr>
-        </p:nvSpPr>
-        <p:spPr/>
-        <p:txBody>
-          <a:bodyPr/>
-          <a:lstStyle/>
-          <a:p>
-            <a:r>
-              <a:rPr lang="en-US" dirty="0" err="1" smtClean="0"/>
-              <a:t>Memoria</a:t>
-            </a:r>
-            <a:endParaRPr lang="en-US" dirty="0"/>
-          </a:p>
-        </p:txBody>
-      </p:sp>
-      <p:pic>
-        <p:nvPicPr>
-          <p:cNvPr id="5" name="Picture 4"/>
-          <p:cNvPicPr>
-            <a:picLocks noChangeAspect="1"/>
-          </p:cNvPicPr>
-          <p:nvPr/>
-        </p:nvPicPr>
-        <p:blipFill>
-          <a:blip r:embed="rId3"/>
-          <a:stretch>
-            <a:fillRect/>
-          </a:stretch>
-        </p:blipFill>
-        <p:spPr>
-          <a:xfrm>
-            <a:off x="941557" y="3511419"/>
-            <a:ext cx="8964248" cy="3086282"/>
-          </a:xfrm>
-          <a:prstGeom prst="rect">
-            <a:avLst/>
-          </a:prstGeom>
-        </p:spPr>
-      </p:pic>
-    </p:spTree>
-    <p:extLst>
-      <p:ext uri="{BB962C8B-B14F-4D97-AF65-F5344CB8AC3E}">
-        <p14:creationId xmlns:p14="http://schemas.microsoft.com/office/powerpoint/2010/main" val="452271758"/>
       </p:ext>
     </p:extLst>
   </p:cSld>
@@ -46429,6 +45965,483 @@
         </p:nvSpPr>
         <p:spPr>
           <a:xfrm>
+            <a:off x="418643" y="1270097"/>
+            <a:ext cx="11653523" cy="4856394"/>
+          </a:xfrm>
+        </p:spPr>
+        <p:txBody>
+          <a:bodyPr/>
+          <a:lstStyle/>
+          <a:p>
+            <a:r>
+              <a:rPr lang="en-US" dirty="0" err="1" smtClean="0"/>
+              <a:t>Compara</a:t>
+            </a:r>
+            <a:r>
+              <a:rPr lang="en-US" dirty="0" smtClean="0"/>
+              <a:t> el </a:t>
+            </a:r>
+            <a:r>
+              <a:rPr lang="en-US" dirty="0" err="1" smtClean="0"/>
+              <a:t>consumo</a:t>
+            </a:r>
+            <a:r>
+              <a:rPr lang="en-US" dirty="0" smtClean="0"/>
+              <a:t> </a:t>
+            </a:r>
+            <a:r>
+              <a:rPr lang="en-US" dirty="0" smtClean="0"/>
+              <a:t>de </a:t>
+            </a:r>
+            <a:r>
+              <a:rPr lang="en-US" dirty="0" err="1" smtClean="0"/>
+              <a:t>memoria</a:t>
+            </a:r>
+            <a:r>
+              <a:rPr lang="en-US" dirty="0" smtClean="0"/>
+              <a:t> </a:t>
+            </a:r>
+            <a:r>
+              <a:rPr lang="en-US" dirty="0" err="1" smtClean="0"/>
+              <a:t>en</a:t>
+            </a:r>
+            <a:r>
+              <a:rPr lang="en-US" dirty="0" smtClean="0"/>
+              <a:t> el </a:t>
+            </a:r>
+            <a:r>
+              <a:rPr lang="en-US" dirty="0" err="1" smtClean="0"/>
+              <a:t>tiempo</a:t>
+            </a:r>
+            <a:endParaRPr lang="en-US" dirty="0" smtClean="0"/>
+          </a:p>
+          <a:p>
+            <a:pPr lvl="1"/>
+            <a:r>
+              <a:rPr lang="en-US" dirty="0" err="1" smtClean="0"/>
+              <a:t>Indica</a:t>
+            </a:r>
+            <a:r>
+              <a:rPr lang="en-US" dirty="0" smtClean="0"/>
+              <a:t> </a:t>
+            </a:r>
+            <a:r>
+              <a:rPr lang="en-US" dirty="0" err="1" smtClean="0"/>
+              <a:t>tamaños</a:t>
+            </a:r>
+            <a:r>
+              <a:rPr lang="en-US" dirty="0" smtClean="0"/>
+              <a:t> y </a:t>
+            </a:r>
+            <a:r>
+              <a:rPr lang="en-US" dirty="0" err="1" smtClean="0"/>
+              <a:t>contadores</a:t>
+            </a:r>
+            <a:endParaRPr lang="en-US" dirty="0" smtClean="0"/>
+          </a:p>
+          <a:p>
+            <a:pPr lvl="1"/>
+            <a:r>
+              <a:rPr lang="en-US" dirty="0" err="1" smtClean="0"/>
+              <a:t>Filtra</a:t>
+            </a:r>
+            <a:r>
+              <a:rPr lang="en-US" dirty="0" smtClean="0"/>
+              <a:t> </a:t>
+            </a:r>
+            <a:r>
+              <a:rPr lang="en-US" dirty="0" err="1" smtClean="0"/>
+              <a:t>objetos</a:t>
+            </a:r>
+            <a:r>
+              <a:rPr lang="en-US" dirty="0" smtClean="0"/>
+              <a:t> </a:t>
+            </a:r>
+            <a:r>
+              <a:rPr lang="en-US" dirty="0" err="1" smtClean="0"/>
+              <a:t>marcados</a:t>
+            </a:r>
+            <a:r>
+              <a:rPr lang="en-US" dirty="0" smtClean="0"/>
+              <a:t> </a:t>
+            </a:r>
+            <a:r>
+              <a:rPr lang="en-US" dirty="0" err="1" smtClean="0"/>
+              <a:t>por</a:t>
+            </a:r>
+            <a:r>
+              <a:rPr lang="en-US" dirty="0" smtClean="0"/>
+              <a:t> el garbage collection (.NET)</a:t>
+            </a:r>
+            <a:endParaRPr lang="en-US" dirty="0"/>
+          </a:p>
+          <a:p>
+            <a:r>
+              <a:rPr lang="en-US" dirty="0" err="1" smtClean="0"/>
+              <a:t>Tanto</a:t>
+            </a:r>
+            <a:r>
+              <a:rPr lang="en-US" dirty="0" smtClean="0"/>
+              <a:t> C++ </a:t>
+            </a:r>
+            <a:r>
+              <a:rPr lang="en-US" dirty="0" err="1" smtClean="0"/>
+              <a:t>como</a:t>
+            </a:r>
+            <a:r>
+              <a:rPr lang="en-US" dirty="0" smtClean="0"/>
+              <a:t> .NET</a:t>
+            </a:r>
+          </a:p>
+          <a:p>
+            <a:endParaRPr lang="en-US" dirty="0"/>
+          </a:p>
+          <a:p>
+            <a:endParaRPr lang="en-US" dirty="0" smtClean="0"/>
+          </a:p>
+          <a:p>
+            <a:endParaRPr lang="en-US" dirty="0" smtClean="0"/>
+          </a:p>
+        </p:txBody>
+      </p:sp>
+      <p:sp>
+        <p:nvSpPr>
+          <p:cNvPr id="6" name="Title 5"/>
+          <p:cNvSpPr>
+            <a:spLocks noGrp="1"/>
+          </p:cNvSpPr>
+          <p:nvPr>
+            <p:ph type="title"/>
+          </p:nvPr>
+        </p:nvSpPr>
+        <p:spPr/>
+        <p:txBody>
+          <a:bodyPr/>
+          <a:lstStyle/>
+          <a:p>
+            <a:r>
+              <a:rPr lang="en-US" dirty="0" err="1" smtClean="0"/>
+              <a:t>Memoria</a:t>
+            </a:r>
+            <a:endParaRPr lang="en-US" dirty="0"/>
+          </a:p>
+        </p:txBody>
+      </p:sp>
+      <p:pic>
+        <p:nvPicPr>
+          <p:cNvPr id="5" name="Picture 4"/>
+          <p:cNvPicPr>
+            <a:picLocks noChangeAspect="1"/>
+          </p:cNvPicPr>
+          <p:nvPr/>
+        </p:nvPicPr>
+        <p:blipFill>
+          <a:blip r:embed="rId3"/>
+          <a:stretch>
+            <a:fillRect/>
+          </a:stretch>
+        </p:blipFill>
+        <p:spPr>
+          <a:xfrm>
+            <a:off x="941557" y="3511419"/>
+            <a:ext cx="8964248" cy="3086282"/>
+          </a:xfrm>
+          <a:prstGeom prst="rect">
+            <a:avLst/>
+          </a:prstGeom>
+        </p:spPr>
+      </p:pic>
+    </p:spTree>
+    <p:extLst>
+      <p:ext uri="{BB962C8B-B14F-4D97-AF65-F5344CB8AC3E}">
+        <p14:creationId xmlns:p14="http://schemas.microsoft.com/office/powerpoint/2010/main" val="452271758"/>
+      </p:ext>
+    </p:extLst>
+  </p:cSld>
+  <p:clrMapOvr>
+    <a:masterClrMapping/>
+  </p:clrMapOvr>
+  <p:transition>
+    <p:fade/>
+  </p:transition>
+  <p:timing>
+    <p:tnLst>
+      <p:par>
+        <p:cTn id="1" dur="indefinite" restart="never" nodeType="tmRoot">
+          <p:childTnLst>
+            <p:seq concurrent="1" nextAc="seek">
+              <p:cTn id="2" dur="indefinite" nodeType="mainSeq">
+                <p:childTnLst>
+                  <p:par>
+                    <p:cTn id="3" fill="hold">
+                      <p:stCondLst>
+                        <p:cond delay="indefinite"/>
+                        <p:cond evt="onBegin" delay="0">
+                          <p:tn val="2"/>
+                        </p:cond>
+                      </p:stCondLst>
+                      <p:childTnLst>
+                        <p:par>
+                          <p:cTn id="4" fill="hold">
+                            <p:stCondLst>
+                              <p:cond delay="0"/>
+                            </p:stCondLst>
+                            <p:childTnLst>
+                              <p:par>
+                                <p:cTn id="5" presetID="1" presetClass="entr" presetSubtype="0" fill="hold" nodeType="afterEffect">
+                                  <p:stCondLst>
+                                    <p:cond delay="500"/>
+                                  </p:stCondLst>
+                                  <p:childTnLst>
+                                    <p:set>
+                                      <p:cBhvr>
+                                        <p:cTn id="6" dur="1" fill="hold">
+                                          <p:stCondLst>
+                                            <p:cond delay="0"/>
+                                          </p:stCondLst>
+                                        </p:cTn>
+                                        <p:tgtEl>
+                                          <p:spTgt spid="7">
+                                            <p:txEl>
+                                              <p:pRg st="0" end="0"/>
+                                            </p:txEl>
+                                          </p:spTgt>
+                                        </p:tgtEl>
+                                        <p:attrNameLst>
+                                          <p:attrName>style.visibility</p:attrName>
+                                        </p:attrNameLst>
+                                      </p:cBhvr>
+                                      <p:to>
+                                        <p:strVal val="visible"/>
+                                      </p:to>
+                                    </p:set>
+                                  </p:childTnLst>
+                                </p:cTn>
+                              </p:par>
+                            </p:childTnLst>
+                          </p:cTn>
+                        </p:par>
+                        <p:par>
+                          <p:cTn id="7" fill="hold">
+                            <p:stCondLst>
+                              <p:cond delay="500"/>
+                            </p:stCondLst>
+                            <p:childTnLst>
+                              <p:par>
+                                <p:cTn id="8" presetID="1" presetClass="entr" presetSubtype="0" fill="hold" nodeType="afterEffect">
+                                  <p:stCondLst>
+                                    <p:cond delay="500"/>
+                                  </p:stCondLst>
+                                  <p:childTnLst>
+                                    <p:set>
+                                      <p:cBhvr>
+                                        <p:cTn id="9" dur="1" fill="hold">
+                                          <p:stCondLst>
+                                            <p:cond delay="0"/>
+                                          </p:stCondLst>
+                                        </p:cTn>
+                                        <p:tgtEl>
+                                          <p:spTgt spid="7">
+                                            <p:txEl>
+                                              <p:pRg st="1" end="1"/>
+                                            </p:txEl>
+                                          </p:spTgt>
+                                        </p:tgtEl>
+                                        <p:attrNameLst>
+                                          <p:attrName>style.visibility</p:attrName>
+                                        </p:attrNameLst>
+                                      </p:cBhvr>
+                                      <p:to>
+                                        <p:strVal val="visible"/>
+                                      </p:to>
+                                    </p:set>
+                                  </p:childTnLst>
+                                </p:cTn>
+                              </p:par>
+                            </p:childTnLst>
+                          </p:cTn>
+                        </p:par>
+                        <p:par>
+                          <p:cTn id="10" fill="hold">
+                            <p:stCondLst>
+                              <p:cond delay="1000"/>
+                            </p:stCondLst>
+                            <p:childTnLst>
+                              <p:par>
+                                <p:cTn id="11" presetID="1" presetClass="entr" presetSubtype="0" fill="hold" nodeType="afterEffect">
+                                  <p:stCondLst>
+                                    <p:cond delay="500"/>
+                                  </p:stCondLst>
+                                  <p:childTnLst>
+                                    <p:set>
+                                      <p:cBhvr>
+                                        <p:cTn id="12" dur="1" fill="hold">
+                                          <p:stCondLst>
+                                            <p:cond delay="0"/>
+                                          </p:stCondLst>
+                                        </p:cTn>
+                                        <p:tgtEl>
+                                          <p:spTgt spid="7">
+                                            <p:txEl>
+                                              <p:pRg st="2" end="2"/>
+                                            </p:txEl>
+                                          </p:spTgt>
+                                        </p:tgtEl>
+                                        <p:attrNameLst>
+                                          <p:attrName>style.visibility</p:attrName>
+                                        </p:attrNameLst>
+                                      </p:cBhvr>
+                                      <p:to>
+                                        <p:strVal val="visible"/>
+                                      </p:to>
+                                    </p:set>
+                                  </p:childTnLst>
+                                </p:cTn>
+                              </p:par>
+                            </p:childTnLst>
+                          </p:cTn>
+                        </p:par>
+                        <p:par>
+                          <p:cTn id="13" fill="hold">
+                            <p:stCondLst>
+                              <p:cond delay="1500"/>
+                            </p:stCondLst>
+                            <p:childTnLst>
+                              <p:par>
+                                <p:cTn id="14" presetID="1" presetClass="entr" presetSubtype="0" fill="hold" nodeType="afterEffect">
+                                  <p:stCondLst>
+                                    <p:cond delay="500"/>
+                                  </p:stCondLst>
+                                  <p:childTnLst>
+                                    <p:set>
+                                      <p:cBhvr>
+                                        <p:cTn id="15" dur="1" fill="hold">
+                                          <p:stCondLst>
+                                            <p:cond delay="0"/>
+                                          </p:stCondLst>
+                                        </p:cTn>
+                                        <p:tgtEl>
+                                          <p:spTgt spid="7">
+                                            <p:txEl>
+                                              <p:pRg st="3" end="3"/>
+                                            </p:txEl>
+                                          </p:spTgt>
+                                        </p:tgtEl>
+                                        <p:attrNameLst>
+                                          <p:attrName>style.visibility</p:attrName>
+                                        </p:attrNameLst>
+                                      </p:cBhvr>
+                                      <p:to>
+                                        <p:strVal val="visible"/>
+                                      </p:to>
+                                    </p:set>
+                                  </p:childTnLst>
+                                </p:cTn>
+                              </p:par>
+                            </p:childTnLst>
+                          </p:cTn>
+                        </p:par>
+                        <p:par>
+                          <p:cTn id="16" fill="hold">
+                            <p:stCondLst>
+                              <p:cond delay="2000"/>
+                            </p:stCondLst>
+                            <p:childTnLst>
+                              <p:par>
+                                <p:cTn id="17" presetID="10" presetClass="entr" presetSubtype="0" fill="hold" nodeType="afterEffect">
+                                  <p:stCondLst>
+                                    <p:cond delay="500"/>
+                                  </p:stCondLst>
+                                  <p:childTnLst>
+                                    <p:set>
+                                      <p:cBhvr>
+                                        <p:cTn id="18" dur="1" fill="hold">
+                                          <p:stCondLst>
+                                            <p:cond delay="0"/>
+                                          </p:stCondLst>
+                                        </p:cTn>
+                                        <p:tgtEl>
+                                          <p:spTgt spid="5"/>
+                                        </p:tgtEl>
+                                        <p:attrNameLst>
+                                          <p:attrName>style.visibility</p:attrName>
+                                        </p:attrNameLst>
+                                      </p:cBhvr>
+                                      <p:to>
+                                        <p:strVal val="visible"/>
+                                      </p:to>
+                                    </p:set>
+                                    <p:animEffect transition="in" filter="fade">
+                                      <p:cBhvr>
+                                        <p:cTn id="19" dur="500"/>
+                                        <p:tgtEl>
+                                          <p:spTgt spid="5"/>
+                                        </p:tgtEl>
+                                      </p:cBhvr>
+                                    </p:animEffect>
+                                  </p:childTnLst>
+                                </p:cTn>
+                              </p:par>
+                            </p:childTnLst>
+                          </p:cTn>
+                        </p:par>
+                      </p:childTnLst>
+                    </p:cTn>
+                  </p:par>
+                </p:childTnLst>
+              </p:cTn>
+              <p:prevCondLst>
+                <p:cond evt="onPrev" delay="0">
+                  <p:tgtEl>
+                    <p:sldTgt/>
+                  </p:tgtEl>
+                </p:cond>
+              </p:prevCondLst>
+              <p:nextCondLst>
+                <p:cond evt="onNext" delay="0">
+                  <p:tgtEl>
+                    <p:sldTgt/>
+                  </p:tgtEl>
+                </p:cond>
+              </p:nextCondLst>
+            </p:seq>
+          </p:childTnLst>
+        </p:cTn>
+      </p:par>
+    </p:tnLst>
+  </p:timing>
+</p:sld>
+</file>
+
+<file path=ppt/slides/slide41.xml><?xml version="1.0" encoding="utf-8"?>
+<p:sld xmlns:a="http://schemas.openxmlformats.org/drawingml/2006/main" xmlns:r="http://schemas.openxmlformats.org/officeDocument/2006/relationships" xmlns:p="http://schemas.openxmlformats.org/presentationml/2006/main">
+  <p:cSld>
+    <p:spTree>
+      <p:nvGrpSpPr>
+        <p:cNvPr id="1" name=""/>
+        <p:cNvGrpSpPr/>
+        <p:nvPr/>
+      </p:nvGrpSpPr>
+      <p:grpSpPr>
+        <a:xfrm>
+          <a:off x="0" y="0"/>
+          <a:ext cx="0" cy="0"/>
+          <a:chOff x="0" y="0"/>
+          <a:chExt cx="0" cy="0"/>
+        </a:xfrm>
+      </p:grpSpPr>
+      <p:sp>
+        <p:nvSpPr>
+          <p:cNvPr id="7" name="Text Placeholder 6"/>
+          <p:cNvSpPr>
+            <a:spLocks noGrp="1"/>
+          </p:cNvSpPr>
+          <p:nvPr>
+            <p:ph type="body" sz="quarter" idx="10"/>
+          </p:nvPr>
+        </p:nvSpPr>
+        <p:spPr>
+          <a:xfrm>
             <a:off x="528122" y="1337342"/>
             <a:ext cx="11653523" cy="2382062"/>
           </a:xfrm>
@@ -46497,7 +46510,6 @@
               <a:rPr lang="en-US" dirty="0" smtClean="0"/>
               <a:t> consume alto de CPU </a:t>
             </a:r>
-            <a:endParaRPr lang="en-US" dirty="0" smtClean="0"/>
           </a:p>
           <a:p>
             <a:r>
@@ -46508,7 +46520,6 @@
               <a:rPr lang="en-US" dirty="0" smtClean="0"/>
               <a:t> FPS</a:t>
             </a:r>
-            <a:endParaRPr lang="en-US" dirty="0" smtClean="0"/>
           </a:p>
         </p:txBody>
       </p:sp>
@@ -46821,7 +46832,7 @@
 </p:sld>
 </file>
 
-<file path=ppt/slides/slide41.xml><?xml version="1.0" encoding="utf-8"?>
+<file path=ppt/slides/slide42.xml><?xml version="1.0" encoding="utf-8"?>
 <p:sld xmlns:a="http://schemas.openxmlformats.org/drawingml/2006/main" xmlns:r="http://schemas.openxmlformats.org/officeDocument/2006/relationships" xmlns:p="http://schemas.openxmlformats.org/presentationml/2006/main">
   <p:cSld>
     <p:spTree>
@@ -46901,7 +46912,7 @@
 </p:sld>
 </file>
 
-<file path=ppt/slides/slide42.xml><?xml version="1.0" encoding="utf-8"?>
+<file path=ppt/slides/slide43.xml><?xml version="1.0" encoding="utf-8"?>
 <p:sld xmlns:a="http://schemas.openxmlformats.org/drawingml/2006/main" xmlns:r="http://schemas.openxmlformats.org/officeDocument/2006/relationships" xmlns:p="http://schemas.openxmlformats.org/presentationml/2006/main">
   <p:cSld>
     <p:spTree>
@@ -46988,7 +46999,7 @@
 </p:sld>
 </file>
 
-<file path=ppt/slides/slide43.xml><?xml version="1.0" encoding="utf-8"?>
+<file path=ppt/slides/slide44.xml><?xml version="1.0" encoding="utf-8"?>
 <p:sld xmlns:a="http://schemas.openxmlformats.org/drawingml/2006/main" xmlns:r="http://schemas.openxmlformats.org/officeDocument/2006/relationships" xmlns:p="http://schemas.openxmlformats.org/presentationml/2006/main">
   <p:cSld>
     <p:spTree>
@@ -47316,11 +47327,7 @@
             </a:r>
             <a:r>
               <a:rPr lang="en-US" sz="2549" dirty="0" smtClean="0"/>
-              <a:t> </a:t>
-            </a:r>
-            <a:r>
-              <a:rPr lang="en-US" sz="2549" dirty="0" smtClean="0"/>
-              <a:t>la </a:t>
+              <a:t> la </a:t>
             </a:r>
             <a:r>
               <a:rPr lang="en-US" sz="2549" dirty="0" err="1" smtClean="0"/>
@@ -47427,7 +47434,7 @@
 </p:sld>
 </file>
 
-<file path=ppt/slides/slide44.xml><?xml version="1.0" encoding="utf-8"?>
+<file path=ppt/slides/slide45.xml><?xml version="1.0" encoding="utf-8"?>
 <p:sld xmlns:a="http://schemas.openxmlformats.org/drawingml/2006/main" xmlns:r="http://schemas.openxmlformats.org/officeDocument/2006/relationships" xmlns:p="http://schemas.openxmlformats.org/presentationml/2006/main">
   <p:cSld>
     <p:spTree>
@@ -47762,7 +47769,7 @@
 </p:sld>
 </file>
 
-<file path=ppt/slides/slide45.xml><?xml version="1.0" encoding="utf-8"?>
+<file path=ppt/slides/slide46.xml><?xml version="1.0" encoding="utf-8"?>
 <p:sld xmlns:a="http://schemas.openxmlformats.org/drawingml/2006/main" xmlns:r="http://schemas.openxmlformats.org/officeDocument/2006/relationships" xmlns:p="http://schemas.openxmlformats.org/presentationml/2006/main">
   <p:cSld>
     <p:spTree>
@@ -49057,11 +49064,7 @@
           <a:p>
             <a:r>
               <a:rPr lang="en-US" dirty="0" smtClean="0"/>
-              <a:t>Universal Windows </a:t>
-            </a:r>
-            <a:r>
-              <a:rPr lang="en-US" dirty="0" smtClean="0"/>
-              <a:t>App: </a:t>
+              <a:t>Universal Windows App: </a:t>
             </a:r>
             <a:r>
               <a:rPr lang="en-US" dirty="0" err="1" smtClean="0"/>
@@ -49119,7 +49122,6 @@
               <a:rPr lang="en-US" dirty="0" smtClean="0"/>
               <a:t> UWP</a:t>
             </a:r>
-            <a:endParaRPr lang="en-US" dirty="0" smtClean="0"/>
           </a:p>
           <a:p>
             <a:pPr marL="0" indent="0"/>
@@ -50541,15 +50543,6 @@
 </file>
 
 <file path=customXml/item1.xml><?xml version="1.0" encoding="utf-8"?>
-<?mso-contentType ?>
-<FormTemplates xmlns="http://schemas.microsoft.com/sharepoint/v3/contenttype/forms">
-  <Display>DocumentLibraryForm</Display>
-  <Edit>DocumentLibraryForm</Edit>
-  <New>DocumentLibraryForm</New>
-</FormTemplates>
-</file>
-
-<file path=customXml/item2.xml><?xml version="1.0" encoding="utf-8"?>
 <ct:contentTypeSchema xmlns:ct="http://schemas.microsoft.com/office/2006/metadata/contentType" xmlns:ma="http://schemas.microsoft.com/office/2006/metadata/properties/metaAttributes" ct:_="" ma:_="" ma:contentTypeName="Document" ma:contentTypeID="0x01010077A91A40830EBD43BE524A7CE4B3AE1E" ma:contentTypeVersion="" ma:contentTypeDescription="Create a new document." ma:contentTypeScope="" ma:versionID="564620281baef6ba28e9e829bb933c81">
   <xsd:schema xmlns:xsd="http://www.w3.org/2001/XMLSchema" xmlns:xs="http://www.w3.org/2001/XMLSchema" xmlns:p="http://schemas.microsoft.com/office/2006/metadata/properties" xmlns:ns2="EEE5B532-0FC6-42A2-92D4-EABE09DEBFCC" targetNamespace="http://schemas.microsoft.com/office/2006/metadata/properties" ma:root="true" ma:fieldsID="e0bdcf4237a0a33696396f5b9319db96" ns2:_="">
     <xsd:import namespace="EEE5B532-0FC6-42A2-92D4-EABE09DEBFCC"/>
@@ -50705,7 +50698,7 @@
 </ct:contentTypeSchema>
 </file>
 
-<file path=customXml/item3.xml><?xml version="1.0" encoding="utf-8"?>
+<file path=customXml/item2.xml><?xml version="1.0" encoding="utf-8"?>
 <p:properties xmlns:p="http://schemas.microsoft.com/office/2006/metadata/properties" xmlns:xsi="http://www.w3.org/2001/XMLSchema-instance" xmlns:pc="http://schemas.microsoft.com/office/infopath/2007/PartnerControls">
   <documentManagement>
     <Module xmlns="EEE5B532-0FC6-42A2-92D4-EABE09DEBFCC" xsi:nil="true"/>
@@ -50715,15 +50708,16 @@
 </p:properties>
 </file>
 
-<file path=customXml/itemProps1.xml><?xml version="1.0" encoding="utf-8"?>
-<ds:datastoreItem xmlns:ds="http://schemas.openxmlformats.org/officeDocument/2006/customXml" ds:itemID="{56A11EA6-2FC2-46BC-88D1-DD1545DDA3D6}">
-  <ds:schemaRefs>
-    <ds:schemaRef ds:uri="http://schemas.microsoft.com/sharepoint/v3/contenttype/forms"/>
-  </ds:schemaRefs>
-</ds:datastoreItem>
+<file path=customXml/item3.xml><?xml version="1.0" encoding="utf-8"?>
+<?mso-contentType ?>
+<FormTemplates xmlns="http://schemas.microsoft.com/sharepoint/v3/contenttype/forms">
+  <Display>DocumentLibraryForm</Display>
+  <Edit>DocumentLibraryForm</Edit>
+  <New>DocumentLibraryForm</New>
+</FormTemplates>
 </file>
 
-<file path=customXml/itemProps2.xml><?xml version="1.0" encoding="utf-8"?>
+<file path=customXml/itemProps1.xml><?xml version="1.0" encoding="utf-8"?>
 <ds:datastoreItem xmlns:ds="http://schemas.openxmlformats.org/officeDocument/2006/customXml" ds:itemID="{DE9A42DE-7C1D-459D-B825-997C7A9B9B0F}">
   <ds:schemaRefs>
     <ds:schemaRef ds:uri="http://schemas.microsoft.com/office/2006/metadata/contentType"/>
@@ -50741,7 +50735,7 @@
 </ds:datastoreItem>
 </file>
 
-<file path=customXml/itemProps3.xml><?xml version="1.0" encoding="utf-8"?>
+<file path=customXml/itemProps2.xml><?xml version="1.0" encoding="utf-8"?>
 <ds:datastoreItem xmlns:ds="http://schemas.openxmlformats.org/officeDocument/2006/customXml" ds:itemID="{FF5E1494-6B65-4E1E-9729-2B216CB62627}">
   <ds:schemaRefs>
     <ds:schemaRef ds:uri="http://purl.org/dc/elements/1.1/"/>
@@ -50755,4 +50749,12 @@
     <ds:schemaRef ds:uri="http://purl.org/dc/dcmitype/"/>
   </ds:schemaRefs>
 </ds:datastoreItem>
+</file>
+
+<file path=customXml/itemProps3.xml><?xml version="1.0" encoding="utf-8"?>
+<ds:datastoreItem xmlns:ds="http://schemas.openxmlformats.org/officeDocument/2006/customXml" ds:itemID="{56A11EA6-2FC2-46BC-88D1-DD1545DDA3D6}">
+  <ds:schemaRefs>
+    <ds:schemaRef ds:uri="http://schemas.microsoft.com/sharepoint/v3/contenttype/forms"/>
+  </ds:schemaRefs>
+</ds:datastoreItem>
 </file>